--- a/ppt 16-9/0939.赏赐.pptx
+++ b/ppt 16-9/0939.赏赐.pptx
@@ -5,7 +5,7 @@
     <p:sldMasterId id="2147483648" r:id="rId1"/>
   </p:sldMasterIdLst>
   <p:sldIdLst>
-    <p:sldId id="316" r:id="rId2"/>
+    <p:sldId id="318" r:id="rId2"/>
   </p:sldIdLst>
   <p:sldSz cx="12192000" cy="6858000"/>
   <p:notesSz cx="6858000" cy="9144000"/>
@@ -129,7 +129,7 @@
           <p:cNvPr id="2" name="标题 1">
             <a:extLst>
               <a:ext uri="{FF2B5EF4-FFF2-40B4-BE49-F238E27FC236}">
-                <a16:creationId xmlns:a16="http://schemas.microsoft.com/office/drawing/2014/main" id="{B74D843E-3050-0A74-8CB1-8CEC5EE9AD66}"/>
+                <a16:creationId xmlns:a16="http://schemas.microsoft.com/office/drawing/2014/main" id="{8FFCFE51-1F7A-3156-7724-B8961E325497}"/>
               </a:ext>
             </a:extLst>
           </p:cNvPr>
@@ -166,7 +166,7 @@
           <p:cNvPr id="3" name="副标题 2">
             <a:extLst>
               <a:ext uri="{FF2B5EF4-FFF2-40B4-BE49-F238E27FC236}">
-                <a16:creationId xmlns:a16="http://schemas.microsoft.com/office/drawing/2014/main" id="{631ED57C-D6C7-A88C-F7B8-A4F022B5277F}"/>
+                <a16:creationId xmlns:a16="http://schemas.microsoft.com/office/drawing/2014/main" id="{9554CE96-EA14-8253-261D-614480A011D8}"/>
               </a:ext>
             </a:extLst>
           </p:cNvPr>
@@ -236,7 +236,7 @@
           <p:cNvPr id="4" name="日期占位符 3">
             <a:extLst>
               <a:ext uri="{FF2B5EF4-FFF2-40B4-BE49-F238E27FC236}">
-                <a16:creationId xmlns:a16="http://schemas.microsoft.com/office/drawing/2014/main" id="{B5B2E58A-B061-E06F-52CF-8B0C7ABBA9D6}"/>
+                <a16:creationId xmlns:a16="http://schemas.microsoft.com/office/drawing/2014/main" id="{CE98B622-015A-6C0B-BEFE-7344F9648CF7}"/>
               </a:ext>
             </a:extLst>
           </p:cNvPr>
@@ -252,7 +252,7 @@
           <a:bodyPr/>
           <a:lstStyle/>
           <a:p>
-            <a:fld id="{49CD9DD7-7130-4918-A5CC-5A7428FF07BB}" type="datetimeFigureOut">
+            <a:fld id="{16A33C76-7AEF-4E28-B742-0CDDA24D508C}" type="datetimeFigureOut">
               <a:rPr lang="zh-CN" altLang="en-US" smtClean="0"/>
               <a:t>2024/3/10</a:t>
             </a:fld>
@@ -265,7 +265,7 @@
           <p:cNvPr id="5" name="页脚占位符 4">
             <a:extLst>
               <a:ext uri="{FF2B5EF4-FFF2-40B4-BE49-F238E27FC236}">
-                <a16:creationId xmlns:a16="http://schemas.microsoft.com/office/drawing/2014/main" id="{79B517CB-16F5-E77D-1CD1-1E44177E343E}"/>
+                <a16:creationId xmlns:a16="http://schemas.microsoft.com/office/drawing/2014/main" id="{C0216674-7F48-5DAC-E9CB-948C9906EC31}"/>
               </a:ext>
             </a:extLst>
           </p:cNvPr>
@@ -290,7 +290,7 @@
           <p:cNvPr id="6" name="灯片编号占位符 5">
             <a:extLst>
               <a:ext uri="{FF2B5EF4-FFF2-40B4-BE49-F238E27FC236}">
-                <a16:creationId xmlns:a16="http://schemas.microsoft.com/office/drawing/2014/main" id="{413B7E0A-FD98-98EC-3EF0-76BCFDA06C87}"/>
+                <a16:creationId xmlns:a16="http://schemas.microsoft.com/office/drawing/2014/main" id="{8DE70655-1ECD-92C1-E3C2-0A4C3011E7FF}"/>
               </a:ext>
             </a:extLst>
           </p:cNvPr>
@@ -306,7 +306,7 @@
           <a:bodyPr/>
           <a:lstStyle/>
           <a:p>
-            <a:fld id="{DFB50A0F-1DE9-429F-9436-E20EEAE300D6}" type="slidenum">
+            <a:fld id="{7F7F1D3F-9AF1-428A-A17E-9D109C1EF489}" type="slidenum">
               <a:rPr lang="zh-CN" altLang="en-US" smtClean="0"/>
               <a:t>‹#›</a:t>
             </a:fld>
@@ -317,7 +317,7 @@
     </p:spTree>
     <p:extLst>
       <p:ext uri="{BB962C8B-B14F-4D97-AF65-F5344CB8AC3E}">
-        <p14:creationId xmlns:p14="http://schemas.microsoft.com/office/powerpoint/2010/main" val="330503007"/>
+        <p14:creationId xmlns:p14="http://schemas.microsoft.com/office/powerpoint/2010/main" val="3111977933"/>
       </p:ext>
     </p:extLst>
   </p:cSld>
@@ -349,7 +349,7 @@
           <p:cNvPr id="2" name="标题 1">
             <a:extLst>
               <a:ext uri="{FF2B5EF4-FFF2-40B4-BE49-F238E27FC236}">
-                <a16:creationId xmlns:a16="http://schemas.microsoft.com/office/drawing/2014/main" id="{DD35C8A5-DA50-601B-21CA-D0E38C9321E1}"/>
+                <a16:creationId xmlns:a16="http://schemas.microsoft.com/office/drawing/2014/main" id="{BCA3FAB6-B915-C11D-1EA9-C0148FE9BD4F}"/>
               </a:ext>
             </a:extLst>
           </p:cNvPr>
@@ -377,7 +377,7 @@
           <p:cNvPr id="3" name="竖排文字占位符 2">
             <a:extLst>
               <a:ext uri="{FF2B5EF4-FFF2-40B4-BE49-F238E27FC236}">
-                <a16:creationId xmlns:a16="http://schemas.microsoft.com/office/drawing/2014/main" id="{F8FFF3D3-33B7-F043-9B4A-3FE192834BBF}"/>
+                <a16:creationId xmlns:a16="http://schemas.microsoft.com/office/drawing/2014/main" id="{D9ADAEA7-2EB5-CBA0-F302-828451F2138E}"/>
               </a:ext>
             </a:extLst>
           </p:cNvPr>
@@ -434,7 +434,7 @@
           <p:cNvPr id="4" name="日期占位符 3">
             <a:extLst>
               <a:ext uri="{FF2B5EF4-FFF2-40B4-BE49-F238E27FC236}">
-                <a16:creationId xmlns:a16="http://schemas.microsoft.com/office/drawing/2014/main" id="{51D2BC57-BEF6-BF97-9914-686FDB6DE8C3}"/>
+                <a16:creationId xmlns:a16="http://schemas.microsoft.com/office/drawing/2014/main" id="{855E8030-1E66-CE12-DEC9-960026A79ED0}"/>
               </a:ext>
             </a:extLst>
           </p:cNvPr>
@@ -450,7 +450,7 @@
           <a:bodyPr/>
           <a:lstStyle/>
           <a:p>
-            <a:fld id="{49CD9DD7-7130-4918-A5CC-5A7428FF07BB}" type="datetimeFigureOut">
+            <a:fld id="{16A33C76-7AEF-4E28-B742-0CDDA24D508C}" type="datetimeFigureOut">
               <a:rPr lang="zh-CN" altLang="en-US" smtClean="0"/>
               <a:t>2024/3/10</a:t>
             </a:fld>
@@ -463,7 +463,7 @@
           <p:cNvPr id="5" name="页脚占位符 4">
             <a:extLst>
               <a:ext uri="{FF2B5EF4-FFF2-40B4-BE49-F238E27FC236}">
-                <a16:creationId xmlns:a16="http://schemas.microsoft.com/office/drawing/2014/main" id="{24797267-C0CB-5EAD-216A-113E741801EE}"/>
+                <a16:creationId xmlns:a16="http://schemas.microsoft.com/office/drawing/2014/main" id="{6F3FE3CB-611E-A461-7BBB-F499EF1AB2C9}"/>
               </a:ext>
             </a:extLst>
           </p:cNvPr>
@@ -488,7 +488,7 @@
           <p:cNvPr id="6" name="灯片编号占位符 5">
             <a:extLst>
               <a:ext uri="{FF2B5EF4-FFF2-40B4-BE49-F238E27FC236}">
-                <a16:creationId xmlns:a16="http://schemas.microsoft.com/office/drawing/2014/main" id="{9F58B0C6-17BF-A7B9-1298-4B4606D83720}"/>
+                <a16:creationId xmlns:a16="http://schemas.microsoft.com/office/drawing/2014/main" id="{3496A49E-6131-BCA1-5168-CE5D7E3B3D7F}"/>
               </a:ext>
             </a:extLst>
           </p:cNvPr>
@@ -504,7 +504,7 @@
           <a:bodyPr/>
           <a:lstStyle/>
           <a:p>
-            <a:fld id="{DFB50A0F-1DE9-429F-9436-E20EEAE300D6}" type="slidenum">
+            <a:fld id="{7F7F1D3F-9AF1-428A-A17E-9D109C1EF489}" type="slidenum">
               <a:rPr lang="zh-CN" altLang="en-US" smtClean="0"/>
               <a:t>‹#›</a:t>
             </a:fld>
@@ -515,7 +515,7 @@
     </p:spTree>
     <p:extLst>
       <p:ext uri="{BB962C8B-B14F-4D97-AF65-F5344CB8AC3E}">
-        <p14:creationId xmlns:p14="http://schemas.microsoft.com/office/powerpoint/2010/main" val="806440531"/>
+        <p14:creationId xmlns:p14="http://schemas.microsoft.com/office/powerpoint/2010/main" val="1167659100"/>
       </p:ext>
     </p:extLst>
   </p:cSld>
@@ -547,7 +547,7 @@
           <p:cNvPr id="2" name="竖排标题 1">
             <a:extLst>
               <a:ext uri="{FF2B5EF4-FFF2-40B4-BE49-F238E27FC236}">
-                <a16:creationId xmlns:a16="http://schemas.microsoft.com/office/drawing/2014/main" id="{DA9D6351-8CB0-E907-C78B-50D09F016891}"/>
+                <a16:creationId xmlns:a16="http://schemas.microsoft.com/office/drawing/2014/main" id="{3F78377D-84E8-CC7D-5669-CBA7D1A68783}"/>
               </a:ext>
             </a:extLst>
           </p:cNvPr>
@@ -580,7 +580,7 @@
           <p:cNvPr id="3" name="竖排文字占位符 2">
             <a:extLst>
               <a:ext uri="{FF2B5EF4-FFF2-40B4-BE49-F238E27FC236}">
-                <a16:creationId xmlns:a16="http://schemas.microsoft.com/office/drawing/2014/main" id="{5184552A-36EC-0E20-0BF8-4BF4B60B1B92}"/>
+                <a16:creationId xmlns:a16="http://schemas.microsoft.com/office/drawing/2014/main" id="{034610C7-ED57-C914-F19C-CB94242AB800}"/>
               </a:ext>
             </a:extLst>
           </p:cNvPr>
@@ -642,7 +642,7 @@
           <p:cNvPr id="4" name="日期占位符 3">
             <a:extLst>
               <a:ext uri="{FF2B5EF4-FFF2-40B4-BE49-F238E27FC236}">
-                <a16:creationId xmlns:a16="http://schemas.microsoft.com/office/drawing/2014/main" id="{DAE2BBAF-0CFA-690E-A6DD-5B489D498495}"/>
+                <a16:creationId xmlns:a16="http://schemas.microsoft.com/office/drawing/2014/main" id="{AA4D6E0D-E9D5-0168-0EA8-428424181BE4}"/>
               </a:ext>
             </a:extLst>
           </p:cNvPr>
@@ -658,7 +658,7 @@
           <a:bodyPr/>
           <a:lstStyle/>
           <a:p>
-            <a:fld id="{49CD9DD7-7130-4918-A5CC-5A7428FF07BB}" type="datetimeFigureOut">
+            <a:fld id="{16A33C76-7AEF-4E28-B742-0CDDA24D508C}" type="datetimeFigureOut">
               <a:rPr lang="zh-CN" altLang="en-US" smtClean="0"/>
               <a:t>2024/3/10</a:t>
             </a:fld>
@@ -671,7 +671,7 @@
           <p:cNvPr id="5" name="页脚占位符 4">
             <a:extLst>
               <a:ext uri="{FF2B5EF4-FFF2-40B4-BE49-F238E27FC236}">
-                <a16:creationId xmlns:a16="http://schemas.microsoft.com/office/drawing/2014/main" id="{4FF97413-136D-C9AC-751B-2E9F42791517}"/>
+                <a16:creationId xmlns:a16="http://schemas.microsoft.com/office/drawing/2014/main" id="{0CF4BD56-BA05-EA30-2230-B03858458D10}"/>
               </a:ext>
             </a:extLst>
           </p:cNvPr>
@@ -696,7 +696,7 @@
           <p:cNvPr id="6" name="灯片编号占位符 5">
             <a:extLst>
               <a:ext uri="{FF2B5EF4-FFF2-40B4-BE49-F238E27FC236}">
-                <a16:creationId xmlns:a16="http://schemas.microsoft.com/office/drawing/2014/main" id="{5AE502DA-BA4E-153B-D57E-9EBFA72ACE5C}"/>
+                <a16:creationId xmlns:a16="http://schemas.microsoft.com/office/drawing/2014/main" id="{C5EC9F64-4C69-BCA5-E091-E8654DEB4939}"/>
               </a:ext>
             </a:extLst>
           </p:cNvPr>
@@ -712,7 +712,7 @@
           <a:bodyPr/>
           <a:lstStyle/>
           <a:p>
-            <a:fld id="{DFB50A0F-1DE9-429F-9436-E20EEAE300D6}" type="slidenum">
+            <a:fld id="{7F7F1D3F-9AF1-428A-A17E-9D109C1EF489}" type="slidenum">
               <a:rPr lang="zh-CN" altLang="en-US" smtClean="0"/>
               <a:t>‹#›</a:t>
             </a:fld>
@@ -723,7 +723,7 @@
     </p:spTree>
     <p:extLst>
       <p:ext uri="{BB962C8B-B14F-4D97-AF65-F5344CB8AC3E}">
-        <p14:creationId xmlns:p14="http://schemas.microsoft.com/office/powerpoint/2010/main" val="2526206073"/>
+        <p14:creationId xmlns:p14="http://schemas.microsoft.com/office/powerpoint/2010/main" val="1327856873"/>
       </p:ext>
     </p:extLst>
   </p:cSld>
@@ -755,7 +755,7 @@
           <p:cNvPr id="2" name="标题 1">
             <a:extLst>
               <a:ext uri="{FF2B5EF4-FFF2-40B4-BE49-F238E27FC236}">
-                <a16:creationId xmlns:a16="http://schemas.microsoft.com/office/drawing/2014/main" id="{324F9461-DD8D-9C51-ED6B-CAA1CE2C3303}"/>
+                <a16:creationId xmlns:a16="http://schemas.microsoft.com/office/drawing/2014/main" id="{564DE525-1F3A-71BD-73A8-CBF431E3ABF8}"/>
               </a:ext>
             </a:extLst>
           </p:cNvPr>
@@ -783,7 +783,7 @@
           <p:cNvPr id="3" name="内容占位符 2">
             <a:extLst>
               <a:ext uri="{FF2B5EF4-FFF2-40B4-BE49-F238E27FC236}">
-                <a16:creationId xmlns:a16="http://schemas.microsoft.com/office/drawing/2014/main" id="{01A4733A-FDC3-1095-399C-2A60BA1C3EED}"/>
+                <a16:creationId xmlns:a16="http://schemas.microsoft.com/office/drawing/2014/main" id="{A9AFC171-5C39-2139-806C-3A4AFEE56D2A}"/>
               </a:ext>
             </a:extLst>
           </p:cNvPr>
@@ -840,7 +840,7 @@
           <p:cNvPr id="4" name="日期占位符 3">
             <a:extLst>
               <a:ext uri="{FF2B5EF4-FFF2-40B4-BE49-F238E27FC236}">
-                <a16:creationId xmlns:a16="http://schemas.microsoft.com/office/drawing/2014/main" id="{D768181E-EC31-081A-3F4A-BB9AEF9AE16E}"/>
+                <a16:creationId xmlns:a16="http://schemas.microsoft.com/office/drawing/2014/main" id="{189E85EE-CC91-4A2F-9AF2-1B29A62C0E17}"/>
               </a:ext>
             </a:extLst>
           </p:cNvPr>
@@ -856,7 +856,7 @@
           <a:bodyPr/>
           <a:lstStyle/>
           <a:p>
-            <a:fld id="{49CD9DD7-7130-4918-A5CC-5A7428FF07BB}" type="datetimeFigureOut">
+            <a:fld id="{16A33C76-7AEF-4E28-B742-0CDDA24D508C}" type="datetimeFigureOut">
               <a:rPr lang="zh-CN" altLang="en-US" smtClean="0"/>
               <a:t>2024/3/10</a:t>
             </a:fld>
@@ -869,7 +869,7 @@
           <p:cNvPr id="5" name="页脚占位符 4">
             <a:extLst>
               <a:ext uri="{FF2B5EF4-FFF2-40B4-BE49-F238E27FC236}">
-                <a16:creationId xmlns:a16="http://schemas.microsoft.com/office/drawing/2014/main" id="{A2722DCE-B543-2372-FDE8-23F4EADB4B1E}"/>
+                <a16:creationId xmlns:a16="http://schemas.microsoft.com/office/drawing/2014/main" id="{FC445441-56F8-67D3-3BD0-DFB19278A479}"/>
               </a:ext>
             </a:extLst>
           </p:cNvPr>
@@ -894,7 +894,7 @@
           <p:cNvPr id="6" name="灯片编号占位符 5">
             <a:extLst>
               <a:ext uri="{FF2B5EF4-FFF2-40B4-BE49-F238E27FC236}">
-                <a16:creationId xmlns:a16="http://schemas.microsoft.com/office/drawing/2014/main" id="{60E61C7D-3226-F1C6-3BB1-8310153665F3}"/>
+                <a16:creationId xmlns:a16="http://schemas.microsoft.com/office/drawing/2014/main" id="{A6A26AA1-7C5F-A81F-A188-9244084AB442}"/>
               </a:ext>
             </a:extLst>
           </p:cNvPr>
@@ -910,7 +910,7 @@
           <a:bodyPr/>
           <a:lstStyle/>
           <a:p>
-            <a:fld id="{DFB50A0F-1DE9-429F-9436-E20EEAE300D6}" type="slidenum">
+            <a:fld id="{7F7F1D3F-9AF1-428A-A17E-9D109C1EF489}" type="slidenum">
               <a:rPr lang="zh-CN" altLang="en-US" smtClean="0"/>
               <a:t>‹#›</a:t>
             </a:fld>
@@ -921,7 +921,7 @@
     </p:spTree>
     <p:extLst>
       <p:ext uri="{BB962C8B-B14F-4D97-AF65-F5344CB8AC3E}">
-        <p14:creationId xmlns:p14="http://schemas.microsoft.com/office/powerpoint/2010/main" val="2881368212"/>
+        <p14:creationId xmlns:p14="http://schemas.microsoft.com/office/powerpoint/2010/main" val="3105183655"/>
       </p:ext>
     </p:extLst>
   </p:cSld>
@@ -953,7 +953,7 @@
           <p:cNvPr id="2" name="标题 1">
             <a:extLst>
               <a:ext uri="{FF2B5EF4-FFF2-40B4-BE49-F238E27FC236}">
-                <a16:creationId xmlns:a16="http://schemas.microsoft.com/office/drawing/2014/main" id="{E1DC66EF-01DC-2586-C304-6747F34104AA}"/>
+                <a16:creationId xmlns:a16="http://schemas.microsoft.com/office/drawing/2014/main" id="{37D63C82-FD33-7C81-2942-31C84A341B56}"/>
               </a:ext>
             </a:extLst>
           </p:cNvPr>
@@ -990,7 +990,7 @@
           <p:cNvPr id="3" name="文本占位符 2">
             <a:extLst>
               <a:ext uri="{FF2B5EF4-FFF2-40B4-BE49-F238E27FC236}">
-                <a16:creationId xmlns:a16="http://schemas.microsoft.com/office/drawing/2014/main" id="{56B4A1E6-B016-AAF5-4020-68727A603D77}"/>
+                <a16:creationId xmlns:a16="http://schemas.microsoft.com/office/drawing/2014/main" id="{B2C7107D-DBDF-54E9-33C7-5A93901C40BF}"/>
               </a:ext>
             </a:extLst>
           </p:cNvPr>
@@ -1115,7 +1115,7 @@
           <p:cNvPr id="4" name="日期占位符 3">
             <a:extLst>
               <a:ext uri="{FF2B5EF4-FFF2-40B4-BE49-F238E27FC236}">
-                <a16:creationId xmlns:a16="http://schemas.microsoft.com/office/drawing/2014/main" id="{DB65E428-A91B-CB46-C6A4-500896E58F54}"/>
+                <a16:creationId xmlns:a16="http://schemas.microsoft.com/office/drawing/2014/main" id="{2F1F5893-959D-C456-FBC5-56C5EA03C9EF}"/>
               </a:ext>
             </a:extLst>
           </p:cNvPr>
@@ -1131,7 +1131,7 @@
           <a:bodyPr/>
           <a:lstStyle/>
           <a:p>
-            <a:fld id="{49CD9DD7-7130-4918-A5CC-5A7428FF07BB}" type="datetimeFigureOut">
+            <a:fld id="{16A33C76-7AEF-4E28-B742-0CDDA24D508C}" type="datetimeFigureOut">
               <a:rPr lang="zh-CN" altLang="en-US" smtClean="0"/>
               <a:t>2024/3/10</a:t>
             </a:fld>
@@ -1144,7 +1144,7 @@
           <p:cNvPr id="5" name="页脚占位符 4">
             <a:extLst>
               <a:ext uri="{FF2B5EF4-FFF2-40B4-BE49-F238E27FC236}">
-                <a16:creationId xmlns:a16="http://schemas.microsoft.com/office/drawing/2014/main" id="{E776D606-8771-AB3B-8394-ED732E6C4529}"/>
+                <a16:creationId xmlns:a16="http://schemas.microsoft.com/office/drawing/2014/main" id="{9016551F-762E-025F-1B8D-BBE884318423}"/>
               </a:ext>
             </a:extLst>
           </p:cNvPr>
@@ -1169,7 +1169,7 @@
           <p:cNvPr id="6" name="灯片编号占位符 5">
             <a:extLst>
               <a:ext uri="{FF2B5EF4-FFF2-40B4-BE49-F238E27FC236}">
-                <a16:creationId xmlns:a16="http://schemas.microsoft.com/office/drawing/2014/main" id="{0FBA2925-095C-D471-4C35-BF8B250A6980}"/>
+                <a16:creationId xmlns:a16="http://schemas.microsoft.com/office/drawing/2014/main" id="{A37A80A9-CD3F-EA7B-4154-72083A021526}"/>
               </a:ext>
             </a:extLst>
           </p:cNvPr>
@@ -1185,7 +1185,7 @@
           <a:bodyPr/>
           <a:lstStyle/>
           <a:p>
-            <a:fld id="{DFB50A0F-1DE9-429F-9436-E20EEAE300D6}" type="slidenum">
+            <a:fld id="{7F7F1D3F-9AF1-428A-A17E-9D109C1EF489}" type="slidenum">
               <a:rPr lang="zh-CN" altLang="en-US" smtClean="0"/>
               <a:t>‹#›</a:t>
             </a:fld>
@@ -1196,7 +1196,7 @@
     </p:spTree>
     <p:extLst>
       <p:ext uri="{BB962C8B-B14F-4D97-AF65-F5344CB8AC3E}">
-        <p14:creationId xmlns:p14="http://schemas.microsoft.com/office/powerpoint/2010/main" val="3350875999"/>
+        <p14:creationId xmlns:p14="http://schemas.microsoft.com/office/powerpoint/2010/main" val="381944917"/>
       </p:ext>
     </p:extLst>
   </p:cSld>
@@ -1228,7 +1228,7 @@
           <p:cNvPr id="2" name="标题 1">
             <a:extLst>
               <a:ext uri="{FF2B5EF4-FFF2-40B4-BE49-F238E27FC236}">
-                <a16:creationId xmlns:a16="http://schemas.microsoft.com/office/drawing/2014/main" id="{B8CED9F4-F855-40FF-DD69-66E0EABC61C5}"/>
+                <a16:creationId xmlns:a16="http://schemas.microsoft.com/office/drawing/2014/main" id="{533C3FF2-24ED-7DD1-0638-846CFC7A4882}"/>
               </a:ext>
             </a:extLst>
           </p:cNvPr>
@@ -1256,7 +1256,7 @@
           <p:cNvPr id="3" name="内容占位符 2">
             <a:extLst>
               <a:ext uri="{FF2B5EF4-FFF2-40B4-BE49-F238E27FC236}">
-                <a16:creationId xmlns:a16="http://schemas.microsoft.com/office/drawing/2014/main" id="{84C84790-EA4E-5AD5-6A6B-36417F99573D}"/>
+                <a16:creationId xmlns:a16="http://schemas.microsoft.com/office/drawing/2014/main" id="{A77538CA-A826-BFD2-B6A1-F10F068E038A}"/>
               </a:ext>
             </a:extLst>
           </p:cNvPr>
@@ -1318,7 +1318,7 @@
           <p:cNvPr id="4" name="内容占位符 3">
             <a:extLst>
               <a:ext uri="{FF2B5EF4-FFF2-40B4-BE49-F238E27FC236}">
-                <a16:creationId xmlns:a16="http://schemas.microsoft.com/office/drawing/2014/main" id="{A5DD8138-07C3-8C34-B4EA-35E37700246C}"/>
+                <a16:creationId xmlns:a16="http://schemas.microsoft.com/office/drawing/2014/main" id="{C0FA0940-3E83-697A-B5F4-6EA53F103F26}"/>
               </a:ext>
             </a:extLst>
           </p:cNvPr>
@@ -1380,7 +1380,7 @@
           <p:cNvPr id="5" name="日期占位符 4">
             <a:extLst>
               <a:ext uri="{FF2B5EF4-FFF2-40B4-BE49-F238E27FC236}">
-                <a16:creationId xmlns:a16="http://schemas.microsoft.com/office/drawing/2014/main" id="{AE246A05-C6E1-3261-3847-CD7A1F336E11}"/>
+                <a16:creationId xmlns:a16="http://schemas.microsoft.com/office/drawing/2014/main" id="{02DD9862-9BDD-F20C-B93C-A1030534A194}"/>
               </a:ext>
             </a:extLst>
           </p:cNvPr>
@@ -1396,7 +1396,7 @@
           <a:bodyPr/>
           <a:lstStyle/>
           <a:p>
-            <a:fld id="{49CD9DD7-7130-4918-A5CC-5A7428FF07BB}" type="datetimeFigureOut">
+            <a:fld id="{16A33C76-7AEF-4E28-B742-0CDDA24D508C}" type="datetimeFigureOut">
               <a:rPr lang="zh-CN" altLang="en-US" smtClean="0"/>
               <a:t>2024/3/10</a:t>
             </a:fld>
@@ -1409,7 +1409,7 @@
           <p:cNvPr id="6" name="页脚占位符 5">
             <a:extLst>
               <a:ext uri="{FF2B5EF4-FFF2-40B4-BE49-F238E27FC236}">
-                <a16:creationId xmlns:a16="http://schemas.microsoft.com/office/drawing/2014/main" id="{E9A21B7C-C04F-C6E2-0CE6-B38F4FDB4500}"/>
+                <a16:creationId xmlns:a16="http://schemas.microsoft.com/office/drawing/2014/main" id="{55F467D5-BCEB-678D-5E72-0F1B5AD1322D}"/>
               </a:ext>
             </a:extLst>
           </p:cNvPr>
@@ -1434,7 +1434,7 @@
           <p:cNvPr id="7" name="灯片编号占位符 6">
             <a:extLst>
               <a:ext uri="{FF2B5EF4-FFF2-40B4-BE49-F238E27FC236}">
-                <a16:creationId xmlns:a16="http://schemas.microsoft.com/office/drawing/2014/main" id="{918A4E42-6568-49CF-F4E5-E40A28E6F4A5}"/>
+                <a16:creationId xmlns:a16="http://schemas.microsoft.com/office/drawing/2014/main" id="{891A4BBB-248F-B4B3-F525-8C56742D4EF6}"/>
               </a:ext>
             </a:extLst>
           </p:cNvPr>
@@ -1450,7 +1450,7 @@
           <a:bodyPr/>
           <a:lstStyle/>
           <a:p>
-            <a:fld id="{DFB50A0F-1DE9-429F-9436-E20EEAE300D6}" type="slidenum">
+            <a:fld id="{7F7F1D3F-9AF1-428A-A17E-9D109C1EF489}" type="slidenum">
               <a:rPr lang="zh-CN" altLang="en-US" smtClean="0"/>
               <a:t>‹#›</a:t>
             </a:fld>
@@ -1461,7 +1461,7 @@
     </p:spTree>
     <p:extLst>
       <p:ext uri="{BB962C8B-B14F-4D97-AF65-F5344CB8AC3E}">
-        <p14:creationId xmlns:p14="http://schemas.microsoft.com/office/powerpoint/2010/main" val="3101818951"/>
+        <p14:creationId xmlns:p14="http://schemas.microsoft.com/office/powerpoint/2010/main" val="1209065453"/>
       </p:ext>
     </p:extLst>
   </p:cSld>
@@ -1493,7 +1493,7 @@
           <p:cNvPr id="2" name="标题 1">
             <a:extLst>
               <a:ext uri="{FF2B5EF4-FFF2-40B4-BE49-F238E27FC236}">
-                <a16:creationId xmlns:a16="http://schemas.microsoft.com/office/drawing/2014/main" id="{5710CFBC-1CEB-95B9-6719-F7B286E83572}"/>
+                <a16:creationId xmlns:a16="http://schemas.microsoft.com/office/drawing/2014/main" id="{8A2E76CF-08AE-1F30-9C98-39C78DB93C54}"/>
               </a:ext>
             </a:extLst>
           </p:cNvPr>
@@ -1526,7 +1526,7 @@
           <p:cNvPr id="3" name="文本占位符 2">
             <a:extLst>
               <a:ext uri="{FF2B5EF4-FFF2-40B4-BE49-F238E27FC236}">
-                <a16:creationId xmlns:a16="http://schemas.microsoft.com/office/drawing/2014/main" id="{D3142245-E5AC-8B89-7BDD-41BB1B607FC3}"/>
+                <a16:creationId xmlns:a16="http://schemas.microsoft.com/office/drawing/2014/main" id="{1902BF5C-E125-1074-1B60-9361D30F6168}"/>
               </a:ext>
             </a:extLst>
           </p:cNvPr>
@@ -1597,7 +1597,7 @@
           <p:cNvPr id="4" name="内容占位符 3">
             <a:extLst>
               <a:ext uri="{FF2B5EF4-FFF2-40B4-BE49-F238E27FC236}">
-                <a16:creationId xmlns:a16="http://schemas.microsoft.com/office/drawing/2014/main" id="{B30C82D7-9A45-C919-8028-A42938566B0C}"/>
+                <a16:creationId xmlns:a16="http://schemas.microsoft.com/office/drawing/2014/main" id="{555B8011-746E-9093-7D3F-C4927DA7D1BD}"/>
               </a:ext>
             </a:extLst>
           </p:cNvPr>
@@ -1659,7 +1659,7 @@
           <p:cNvPr id="5" name="文本占位符 4">
             <a:extLst>
               <a:ext uri="{FF2B5EF4-FFF2-40B4-BE49-F238E27FC236}">
-                <a16:creationId xmlns:a16="http://schemas.microsoft.com/office/drawing/2014/main" id="{23904CD6-ABAE-7170-69F4-FE74600ECCA8}"/>
+                <a16:creationId xmlns:a16="http://schemas.microsoft.com/office/drawing/2014/main" id="{9A493100-9FC2-AD77-EB47-C0E7999F58E1}"/>
               </a:ext>
             </a:extLst>
           </p:cNvPr>
@@ -1730,7 +1730,7 @@
           <p:cNvPr id="6" name="内容占位符 5">
             <a:extLst>
               <a:ext uri="{FF2B5EF4-FFF2-40B4-BE49-F238E27FC236}">
-                <a16:creationId xmlns:a16="http://schemas.microsoft.com/office/drawing/2014/main" id="{A98C2BD2-C500-F1A7-7939-37F2FFB3CA9C}"/>
+                <a16:creationId xmlns:a16="http://schemas.microsoft.com/office/drawing/2014/main" id="{C4B502DE-DD26-39BF-3752-26EE9182985E}"/>
               </a:ext>
             </a:extLst>
           </p:cNvPr>
@@ -1792,7 +1792,7 @@
           <p:cNvPr id="7" name="日期占位符 6">
             <a:extLst>
               <a:ext uri="{FF2B5EF4-FFF2-40B4-BE49-F238E27FC236}">
-                <a16:creationId xmlns:a16="http://schemas.microsoft.com/office/drawing/2014/main" id="{57170FD4-5AA0-D770-D8A4-F1BA0D94B47F}"/>
+                <a16:creationId xmlns:a16="http://schemas.microsoft.com/office/drawing/2014/main" id="{33AE1510-CE06-B40E-F905-C27BF48833C6}"/>
               </a:ext>
             </a:extLst>
           </p:cNvPr>
@@ -1808,7 +1808,7 @@
           <a:bodyPr/>
           <a:lstStyle/>
           <a:p>
-            <a:fld id="{49CD9DD7-7130-4918-A5CC-5A7428FF07BB}" type="datetimeFigureOut">
+            <a:fld id="{16A33C76-7AEF-4E28-B742-0CDDA24D508C}" type="datetimeFigureOut">
               <a:rPr lang="zh-CN" altLang="en-US" smtClean="0"/>
               <a:t>2024/3/10</a:t>
             </a:fld>
@@ -1821,7 +1821,7 @@
           <p:cNvPr id="8" name="页脚占位符 7">
             <a:extLst>
               <a:ext uri="{FF2B5EF4-FFF2-40B4-BE49-F238E27FC236}">
-                <a16:creationId xmlns:a16="http://schemas.microsoft.com/office/drawing/2014/main" id="{F0E10BFD-E484-3E8C-A264-33FA085FCD55}"/>
+                <a16:creationId xmlns:a16="http://schemas.microsoft.com/office/drawing/2014/main" id="{B7106757-54AA-842E-77E7-A2A2DB9E5C77}"/>
               </a:ext>
             </a:extLst>
           </p:cNvPr>
@@ -1846,7 +1846,7 @@
           <p:cNvPr id="9" name="灯片编号占位符 8">
             <a:extLst>
               <a:ext uri="{FF2B5EF4-FFF2-40B4-BE49-F238E27FC236}">
-                <a16:creationId xmlns:a16="http://schemas.microsoft.com/office/drawing/2014/main" id="{D1E396E5-F8C3-7A1E-B41C-17F7533E8710}"/>
+                <a16:creationId xmlns:a16="http://schemas.microsoft.com/office/drawing/2014/main" id="{3F78D5D3-BD1C-C66C-C049-89B98336ED88}"/>
               </a:ext>
             </a:extLst>
           </p:cNvPr>
@@ -1862,7 +1862,7 @@
           <a:bodyPr/>
           <a:lstStyle/>
           <a:p>
-            <a:fld id="{DFB50A0F-1DE9-429F-9436-E20EEAE300D6}" type="slidenum">
+            <a:fld id="{7F7F1D3F-9AF1-428A-A17E-9D109C1EF489}" type="slidenum">
               <a:rPr lang="zh-CN" altLang="en-US" smtClean="0"/>
               <a:t>‹#›</a:t>
             </a:fld>
@@ -1873,7 +1873,7 @@
     </p:spTree>
     <p:extLst>
       <p:ext uri="{BB962C8B-B14F-4D97-AF65-F5344CB8AC3E}">
-        <p14:creationId xmlns:p14="http://schemas.microsoft.com/office/powerpoint/2010/main" val="2678522393"/>
+        <p14:creationId xmlns:p14="http://schemas.microsoft.com/office/powerpoint/2010/main" val="2462887743"/>
       </p:ext>
     </p:extLst>
   </p:cSld>
@@ -1905,7 +1905,7 @@
           <p:cNvPr id="2" name="标题 1">
             <a:extLst>
               <a:ext uri="{FF2B5EF4-FFF2-40B4-BE49-F238E27FC236}">
-                <a16:creationId xmlns:a16="http://schemas.microsoft.com/office/drawing/2014/main" id="{634BC0CD-FD74-AE8A-BB2A-F6796F7E2551}"/>
+                <a16:creationId xmlns:a16="http://schemas.microsoft.com/office/drawing/2014/main" id="{89EE50BA-0D38-F163-2F18-D47C94178ACC}"/>
               </a:ext>
             </a:extLst>
           </p:cNvPr>
@@ -1933,7 +1933,7 @@
           <p:cNvPr id="3" name="日期占位符 2">
             <a:extLst>
               <a:ext uri="{FF2B5EF4-FFF2-40B4-BE49-F238E27FC236}">
-                <a16:creationId xmlns:a16="http://schemas.microsoft.com/office/drawing/2014/main" id="{7B996C70-868D-D0CC-4047-C6116B32FBCC}"/>
+                <a16:creationId xmlns:a16="http://schemas.microsoft.com/office/drawing/2014/main" id="{FC73E74A-406A-5A08-A52C-19E816AA1E20}"/>
               </a:ext>
             </a:extLst>
           </p:cNvPr>
@@ -1949,7 +1949,7 @@
           <a:bodyPr/>
           <a:lstStyle/>
           <a:p>
-            <a:fld id="{49CD9DD7-7130-4918-A5CC-5A7428FF07BB}" type="datetimeFigureOut">
+            <a:fld id="{16A33C76-7AEF-4E28-B742-0CDDA24D508C}" type="datetimeFigureOut">
               <a:rPr lang="zh-CN" altLang="en-US" smtClean="0"/>
               <a:t>2024/3/10</a:t>
             </a:fld>
@@ -1962,7 +1962,7 @@
           <p:cNvPr id="4" name="页脚占位符 3">
             <a:extLst>
               <a:ext uri="{FF2B5EF4-FFF2-40B4-BE49-F238E27FC236}">
-                <a16:creationId xmlns:a16="http://schemas.microsoft.com/office/drawing/2014/main" id="{A4C94FF6-86BC-3CF2-1FA9-0B049E1E6063}"/>
+                <a16:creationId xmlns:a16="http://schemas.microsoft.com/office/drawing/2014/main" id="{D78AAEE5-8B75-A516-D134-E4DC5B2DB6AA}"/>
               </a:ext>
             </a:extLst>
           </p:cNvPr>
@@ -1987,7 +1987,7 @@
           <p:cNvPr id="5" name="灯片编号占位符 4">
             <a:extLst>
               <a:ext uri="{FF2B5EF4-FFF2-40B4-BE49-F238E27FC236}">
-                <a16:creationId xmlns:a16="http://schemas.microsoft.com/office/drawing/2014/main" id="{8DE73C22-5041-F9B8-8C72-544830BB63CF}"/>
+                <a16:creationId xmlns:a16="http://schemas.microsoft.com/office/drawing/2014/main" id="{CCB4A4D2-C634-7799-2692-CD94A995A96A}"/>
               </a:ext>
             </a:extLst>
           </p:cNvPr>
@@ -2003,7 +2003,7 @@
           <a:bodyPr/>
           <a:lstStyle/>
           <a:p>
-            <a:fld id="{DFB50A0F-1DE9-429F-9436-E20EEAE300D6}" type="slidenum">
+            <a:fld id="{7F7F1D3F-9AF1-428A-A17E-9D109C1EF489}" type="slidenum">
               <a:rPr lang="zh-CN" altLang="en-US" smtClean="0"/>
               <a:t>‹#›</a:t>
             </a:fld>
@@ -2014,7 +2014,7 @@
     </p:spTree>
     <p:extLst>
       <p:ext uri="{BB962C8B-B14F-4D97-AF65-F5344CB8AC3E}">
-        <p14:creationId xmlns:p14="http://schemas.microsoft.com/office/powerpoint/2010/main" val="1126582254"/>
+        <p14:creationId xmlns:p14="http://schemas.microsoft.com/office/powerpoint/2010/main" val="671710380"/>
       </p:ext>
     </p:extLst>
   </p:cSld>
@@ -2046,7 +2046,7 @@
           <p:cNvPr id="2" name="日期占位符 1">
             <a:extLst>
               <a:ext uri="{FF2B5EF4-FFF2-40B4-BE49-F238E27FC236}">
-                <a16:creationId xmlns:a16="http://schemas.microsoft.com/office/drawing/2014/main" id="{B3123B62-FE61-6236-DB0C-BDBD646AA655}"/>
+                <a16:creationId xmlns:a16="http://schemas.microsoft.com/office/drawing/2014/main" id="{93915C4D-0123-EF62-311D-E19A4237EE6F}"/>
               </a:ext>
             </a:extLst>
           </p:cNvPr>
@@ -2062,7 +2062,7 @@
           <a:bodyPr/>
           <a:lstStyle/>
           <a:p>
-            <a:fld id="{49CD9DD7-7130-4918-A5CC-5A7428FF07BB}" type="datetimeFigureOut">
+            <a:fld id="{16A33C76-7AEF-4E28-B742-0CDDA24D508C}" type="datetimeFigureOut">
               <a:rPr lang="zh-CN" altLang="en-US" smtClean="0"/>
               <a:t>2024/3/10</a:t>
             </a:fld>
@@ -2075,7 +2075,7 @@
           <p:cNvPr id="3" name="页脚占位符 2">
             <a:extLst>
               <a:ext uri="{FF2B5EF4-FFF2-40B4-BE49-F238E27FC236}">
-                <a16:creationId xmlns:a16="http://schemas.microsoft.com/office/drawing/2014/main" id="{66599241-45AD-200B-933A-D6E7CA682B88}"/>
+                <a16:creationId xmlns:a16="http://schemas.microsoft.com/office/drawing/2014/main" id="{44D90F49-F906-813F-B4C6-1ECDA5DC1B50}"/>
               </a:ext>
             </a:extLst>
           </p:cNvPr>
@@ -2100,7 +2100,7 @@
           <p:cNvPr id="4" name="灯片编号占位符 3">
             <a:extLst>
               <a:ext uri="{FF2B5EF4-FFF2-40B4-BE49-F238E27FC236}">
-                <a16:creationId xmlns:a16="http://schemas.microsoft.com/office/drawing/2014/main" id="{C49249DA-CF6F-7E2F-D29F-E8AD72C2CFC2}"/>
+                <a16:creationId xmlns:a16="http://schemas.microsoft.com/office/drawing/2014/main" id="{75C9ECC6-FB26-4A03-6670-5E8FCF9FAB5F}"/>
               </a:ext>
             </a:extLst>
           </p:cNvPr>
@@ -2116,7 +2116,7 @@
           <a:bodyPr/>
           <a:lstStyle/>
           <a:p>
-            <a:fld id="{DFB50A0F-1DE9-429F-9436-E20EEAE300D6}" type="slidenum">
+            <a:fld id="{7F7F1D3F-9AF1-428A-A17E-9D109C1EF489}" type="slidenum">
               <a:rPr lang="zh-CN" altLang="en-US" smtClean="0"/>
               <a:t>‹#›</a:t>
             </a:fld>
@@ -2127,7 +2127,7 @@
     </p:spTree>
     <p:extLst>
       <p:ext uri="{BB962C8B-B14F-4D97-AF65-F5344CB8AC3E}">
-        <p14:creationId xmlns:p14="http://schemas.microsoft.com/office/powerpoint/2010/main" val="1454079973"/>
+        <p14:creationId xmlns:p14="http://schemas.microsoft.com/office/powerpoint/2010/main" val="2251063901"/>
       </p:ext>
     </p:extLst>
   </p:cSld>
@@ -2159,7 +2159,7 @@
           <p:cNvPr id="2" name="标题 1">
             <a:extLst>
               <a:ext uri="{FF2B5EF4-FFF2-40B4-BE49-F238E27FC236}">
-                <a16:creationId xmlns:a16="http://schemas.microsoft.com/office/drawing/2014/main" id="{1C0C34D2-A6F5-E022-B5ED-B2D5610CB77A}"/>
+                <a16:creationId xmlns:a16="http://schemas.microsoft.com/office/drawing/2014/main" id="{603D9766-CACB-EB54-0A0B-297CBE533123}"/>
               </a:ext>
             </a:extLst>
           </p:cNvPr>
@@ -2196,7 +2196,7 @@
           <p:cNvPr id="3" name="内容占位符 2">
             <a:extLst>
               <a:ext uri="{FF2B5EF4-FFF2-40B4-BE49-F238E27FC236}">
-                <a16:creationId xmlns:a16="http://schemas.microsoft.com/office/drawing/2014/main" id="{695CD1E4-883E-6652-7CA4-F66AB6EAA159}"/>
+                <a16:creationId xmlns:a16="http://schemas.microsoft.com/office/drawing/2014/main" id="{4CF1D84C-4DE9-5F03-6677-9C8B2BB030A1}"/>
               </a:ext>
             </a:extLst>
           </p:cNvPr>
@@ -2286,7 +2286,7 @@
           <p:cNvPr id="4" name="文本占位符 3">
             <a:extLst>
               <a:ext uri="{FF2B5EF4-FFF2-40B4-BE49-F238E27FC236}">
-                <a16:creationId xmlns:a16="http://schemas.microsoft.com/office/drawing/2014/main" id="{C1E02E41-CE69-194F-AC79-0EE9F4DC95D9}"/>
+                <a16:creationId xmlns:a16="http://schemas.microsoft.com/office/drawing/2014/main" id="{920869FE-6E1A-2F65-B41C-60B8B1BF414F}"/>
               </a:ext>
             </a:extLst>
           </p:cNvPr>
@@ -2357,7 +2357,7 @@
           <p:cNvPr id="5" name="日期占位符 4">
             <a:extLst>
               <a:ext uri="{FF2B5EF4-FFF2-40B4-BE49-F238E27FC236}">
-                <a16:creationId xmlns:a16="http://schemas.microsoft.com/office/drawing/2014/main" id="{BD380B43-9C38-5256-40B3-B31063A4372B}"/>
+                <a16:creationId xmlns:a16="http://schemas.microsoft.com/office/drawing/2014/main" id="{DDD99428-33FF-E0D9-F6B3-DB07BEDDF745}"/>
               </a:ext>
             </a:extLst>
           </p:cNvPr>
@@ -2373,7 +2373,7 @@
           <a:bodyPr/>
           <a:lstStyle/>
           <a:p>
-            <a:fld id="{49CD9DD7-7130-4918-A5CC-5A7428FF07BB}" type="datetimeFigureOut">
+            <a:fld id="{16A33C76-7AEF-4E28-B742-0CDDA24D508C}" type="datetimeFigureOut">
               <a:rPr lang="zh-CN" altLang="en-US" smtClean="0"/>
               <a:t>2024/3/10</a:t>
             </a:fld>
@@ -2386,7 +2386,7 @@
           <p:cNvPr id="6" name="页脚占位符 5">
             <a:extLst>
               <a:ext uri="{FF2B5EF4-FFF2-40B4-BE49-F238E27FC236}">
-                <a16:creationId xmlns:a16="http://schemas.microsoft.com/office/drawing/2014/main" id="{2CC967F0-3911-89D6-9233-59CAC34099C9}"/>
+                <a16:creationId xmlns:a16="http://schemas.microsoft.com/office/drawing/2014/main" id="{AAB3480E-351C-F6D4-2FB8-91816BF0DC83}"/>
               </a:ext>
             </a:extLst>
           </p:cNvPr>
@@ -2411,7 +2411,7 @@
           <p:cNvPr id="7" name="灯片编号占位符 6">
             <a:extLst>
               <a:ext uri="{FF2B5EF4-FFF2-40B4-BE49-F238E27FC236}">
-                <a16:creationId xmlns:a16="http://schemas.microsoft.com/office/drawing/2014/main" id="{2899DEE0-F6D0-6A6E-08C2-1EADC02D7F1D}"/>
+                <a16:creationId xmlns:a16="http://schemas.microsoft.com/office/drawing/2014/main" id="{6F928BA3-D428-975E-4685-63BB5C1FC00E}"/>
               </a:ext>
             </a:extLst>
           </p:cNvPr>
@@ -2427,7 +2427,7 @@
           <a:bodyPr/>
           <a:lstStyle/>
           <a:p>
-            <a:fld id="{DFB50A0F-1DE9-429F-9436-E20EEAE300D6}" type="slidenum">
+            <a:fld id="{7F7F1D3F-9AF1-428A-A17E-9D109C1EF489}" type="slidenum">
               <a:rPr lang="zh-CN" altLang="en-US" smtClean="0"/>
               <a:t>‹#›</a:t>
             </a:fld>
@@ -2438,7 +2438,7 @@
     </p:spTree>
     <p:extLst>
       <p:ext uri="{BB962C8B-B14F-4D97-AF65-F5344CB8AC3E}">
-        <p14:creationId xmlns:p14="http://schemas.microsoft.com/office/powerpoint/2010/main" val="1156394567"/>
+        <p14:creationId xmlns:p14="http://schemas.microsoft.com/office/powerpoint/2010/main" val="4086233213"/>
       </p:ext>
     </p:extLst>
   </p:cSld>
@@ -2470,7 +2470,7 @@
           <p:cNvPr id="2" name="标题 1">
             <a:extLst>
               <a:ext uri="{FF2B5EF4-FFF2-40B4-BE49-F238E27FC236}">
-                <a16:creationId xmlns:a16="http://schemas.microsoft.com/office/drawing/2014/main" id="{A3FDFC00-A69E-1212-AA86-8381B84B8E1E}"/>
+                <a16:creationId xmlns:a16="http://schemas.microsoft.com/office/drawing/2014/main" id="{CAF02D63-3744-A869-1175-4A7DDD20446B}"/>
               </a:ext>
             </a:extLst>
           </p:cNvPr>
@@ -2507,7 +2507,7 @@
           <p:cNvPr id="3" name="图片占位符 2">
             <a:extLst>
               <a:ext uri="{FF2B5EF4-FFF2-40B4-BE49-F238E27FC236}">
-                <a16:creationId xmlns:a16="http://schemas.microsoft.com/office/drawing/2014/main" id="{B4203ED3-D1AE-59EB-8404-55535964F60E}"/>
+                <a16:creationId xmlns:a16="http://schemas.microsoft.com/office/drawing/2014/main" id="{65103BBB-2A5F-0B2F-AFDD-80E2B6CFC074}"/>
               </a:ext>
             </a:extLst>
           </p:cNvPr>
@@ -2574,7 +2574,7 @@
           <p:cNvPr id="4" name="文本占位符 3">
             <a:extLst>
               <a:ext uri="{FF2B5EF4-FFF2-40B4-BE49-F238E27FC236}">
-                <a16:creationId xmlns:a16="http://schemas.microsoft.com/office/drawing/2014/main" id="{C06B6536-7560-5FB0-CF60-9F9A590ED9DB}"/>
+                <a16:creationId xmlns:a16="http://schemas.microsoft.com/office/drawing/2014/main" id="{FB529B75-8815-D38A-43CB-4CEDC4C57321}"/>
               </a:ext>
             </a:extLst>
           </p:cNvPr>
@@ -2645,7 +2645,7 @@
           <p:cNvPr id="5" name="日期占位符 4">
             <a:extLst>
               <a:ext uri="{FF2B5EF4-FFF2-40B4-BE49-F238E27FC236}">
-                <a16:creationId xmlns:a16="http://schemas.microsoft.com/office/drawing/2014/main" id="{FDCE5444-72E4-CA2F-51A7-308561F2395C}"/>
+                <a16:creationId xmlns:a16="http://schemas.microsoft.com/office/drawing/2014/main" id="{388F72F3-3A2B-2FF2-201D-1FF9667BC4BF}"/>
               </a:ext>
             </a:extLst>
           </p:cNvPr>
@@ -2661,7 +2661,7 @@
           <a:bodyPr/>
           <a:lstStyle/>
           <a:p>
-            <a:fld id="{49CD9DD7-7130-4918-A5CC-5A7428FF07BB}" type="datetimeFigureOut">
+            <a:fld id="{16A33C76-7AEF-4E28-B742-0CDDA24D508C}" type="datetimeFigureOut">
               <a:rPr lang="zh-CN" altLang="en-US" smtClean="0"/>
               <a:t>2024/3/10</a:t>
             </a:fld>
@@ -2674,7 +2674,7 @@
           <p:cNvPr id="6" name="页脚占位符 5">
             <a:extLst>
               <a:ext uri="{FF2B5EF4-FFF2-40B4-BE49-F238E27FC236}">
-                <a16:creationId xmlns:a16="http://schemas.microsoft.com/office/drawing/2014/main" id="{93CFCDAC-56E8-B86F-511C-CA5F88A70B01}"/>
+                <a16:creationId xmlns:a16="http://schemas.microsoft.com/office/drawing/2014/main" id="{91989A7C-975C-76D0-68D6-68AF8EBF09D5}"/>
               </a:ext>
             </a:extLst>
           </p:cNvPr>
@@ -2699,7 +2699,7 @@
           <p:cNvPr id="7" name="灯片编号占位符 6">
             <a:extLst>
               <a:ext uri="{FF2B5EF4-FFF2-40B4-BE49-F238E27FC236}">
-                <a16:creationId xmlns:a16="http://schemas.microsoft.com/office/drawing/2014/main" id="{34F3B7F0-6809-2A9E-761D-97DD7E14DBB1}"/>
+                <a16:creationId xmlns:a16="http://schemas.microsoft.com/office/drawing/2014/main" id="{81FBDF56-5204-16CA-AC71-C5EE537E0E41}"/>
               </a:ext>
             </a:extLst>
           </p:cNvPr>
@@ -2715,7 +2715,7 @@
           <a:bodyPr/>
           <a:lstStyle/>
           <a:p>
-            <a:fld id="{DFB50A0F-1DE9-429F-9436-E20EEAE300D6}" type="slidenum">
+            <a:fld id="{7F7F1D3F-9AF1-428A-A17E-9D109C1EF489}" type="slidenum">
               <a:rPr lang="zh-CN" altLang="en-US" smtClean="0"/>
               <a:t>‹#›</a:t>
             </a:fld>
@@ -2726,7 +2726,7 @@
     </p:spTree>
     <p:extLst>
       <p:ext uri="{BB962C8B-B14F-4D97-AF65-F5344CB8AC3E}">
-        <p14:creationId xmlns:p14="http://schemas.microsoft.com/office/powerpoint/2010/main" val="3693328036"/>
+        <p14:creationId xmlns:p14="http://schemas.microsoft.com/office/powerpoint/2010/main" val="704626799"/>
       </p:ext>
     </p:extLst>
   </p:cSld>
@@ -2763,7 +2763,7 @@
           <p:cNvPr id="2" name="标题占位符 1">
             <a:extLst>
               <a:ext uri="{FF2B5EF4-FFF2-40B4-BE49-F238E27FC236}">
-                <a16:creationId xmlns:a16="http://schemas.microsoft.com/office/drawing/2014/main" id="{44F4F584-6F5D-503E-8EFF-C8E66C62EF17}"/>
+                <a16:creationId xmlns:a16="http://schemas.microsoft.com/office/drawing/2014/main" id="{572FD2FB-86A3-C29B-C4B1-56D931405992}"/>
               </a:ext>
             </a:extLst>
           </p:cNvPr>
@@ -2801,7 +2801,7 @@
           <p:cNvPr id="3" name="文本占位符 2">
             <a:extLst>
               <a:ext uri="{FF2B5EF4-FFF2-40B4-BE49-F238E27FC236}">
-                <a16:creationId xmlns:a16="http://schemas.microsoft.com/office/drawing/2014/main" id="{175F00C2-6B10-E388-3F64-086914770B4D}"/>
+                <a16:creationId xmlns:a16="http://schemas.microsoft.com/office/drawing/2014/main" id="{50B9CC20-C976-E0F3-60F3-73DC6E4A21DC}"/>
               </a:ext>
             </a:extLst>
           </p:cNvPr>
@@ -2868,7 +2868,7 @@
           <p:cNvPr id="4" name="日期占位符 3">
             <a:extLst>
               <a:ext uri="{FF2B5EF4-FFF2-40B4-BE49-F238E27FC236}">
-                <a16:creationId xmlns:a16="http://schemas.microsoft.com/office/drawing/2014/main" id="{B252B04E-E0CF-B597-FD52-8BFD22045967}"/>
+                <a16:creationId xmlns:a16="http://schemas.microsoft.com/office/drawing/2014/main" id="{49A2E094-131C-6E9C-2A34-6AE18DA9BE7D}"/>
               </a:ext>
             </a:extLst>
           </p:cNvPr>
@@ -2902,7 +2902,7 @@
             </a:lvl1pPr>
           </a:lstStyle>
           <a:p>
-            <a:fld id="{49CD9DD7-7130-4918-A5CC-5A7428FF07BB}" type="datetimeFigureOut">
+            <a:fld id="{16A33C76-7AEF-4E28-B742-0CDDA24D508C}" type="datetimeFigureOut">
               <a:rPr lang="zh-CN" altLang="en-US" smtClean="0"/>
               <a:t>2024/3/10</a:t>
             </a:fld>
@@ -2915,7 +2915,7 @@
           <p:cNvPr id="5" name="页脚占位符 4">
             <a:extLst>
               <a:ext uri="{FF2B5EF4-FFF2-40B4-BE49-F238E27FC236}">
-                <a16:creationId xmlns:a16="http://schemas.microsoft.com/office/drawing/2014/main" id="{16A12365-E053-6D51-FA6F-8DBC317B163F}"/>
+                <a16:creationId xmlns:a16="http://schemas.microsoft.com/office/drawing/2014/main" id="{31D5B05E-014B-B784-7575-B3BABBC055BA}"/>
               </a:ext>
             </a:extLst>
           </p:cNvPr>
@@ -2958,7 +2958,7 @@
           <p:cNvPr id="6" name="灯片编号占位符 5">
             <a:extLst>
               <a:ext uri="{FF2B5EF4-FFF2-40B4-BE49-F238E27FC236}">
-                <a16:creationId xmlns:a16="http://schemas.microsoft.com/office/drawing/2014/main" id="{A3E7A1AD-CC7D-9836-9C32-0424469FADF2}"/>
+                <a16:creationId xmlns:a16="http://schemas.microsoft.com/office/drawing/2014/main" id="{658CE593-7BCF-B480-23D9-2BECCE7E30F8}"/>
               </a:ext>
             </a:extLst>
           </p:cNvPr>
@@ -2992,7 +2992,7 @@
             </a:lvl1pPr>
           </a:lstStyle>
           <a:p>
-            <a:fld id="{DFB50A0F-1DE9-429F-9436-E20EEAE300D6}" type="slidenum">
+            <a:fld id="{7F7F1D3F-9AF1-428A-A17E-9D109C1EF489}" type="slidenum">
               <a:rPr lang="zh-CN" altLang="en-US" smtClean="0"/>
               <a:t>‹#›</a:t>
             </a:fld>
@@ -3003,7 +3003,7 @@
     </p:spTree>
     <p:extLst>
       <p:ext uri="{BB962C8B-B14F-4D97-AF65-F5344CB8AC3E}">
-        <p14:creationId xmlns:p14="http://schemas.microsoft.com/office/powerpoint/2010/main" val="1625491268"/>
+        <p14:creationId xmlns:p14="http://schemas.microsoft.com/office/powerpoint/2010/main" val="95625580"/>
       </p:ext>
     </p:extLst>
   </p:cSld>
@@ -3323,7 +3323,7 @@
       </p:grpSpPr>
       <p:pic>
         <p:nvPicPr>
-          <p:cNvPr id="961538" name="Picture 2" descr="938"/>
+          <p:cNvPr id="962562" name="Picture 2" descr="939"/>
           <p:cNvPicPr>
             <a:picLocks noChangeAspect="1" noChangeArrowheads="1"/>
           </p:cNvPicPr>
@@ -3377,7 +3377,7 @@
       </p:pic>
       <p:pic>
         <p:nvPicPr>
-          <p:cNvPr id="962563" name="Picture 3" descr="938-5"/>
+          <p:cNvPr id="963587" name="Picture 3" descr="939-2"/>
           <p:cNvPicPr>
             <a:picLocks noChangeAspect="1" noChangeArrowheads="1"/>
           </p:cNvPicPr>
@@ -3398,8 +3398,8 @@
         </p:blipFill>
         <p:spPr bwMode="auto">
           <a:xfrm>
-            <a:off x="1524000" y="0"/>
-            <a:ext cx="9144000" cy="6858000"/>
+            <a:off x="1501776" y="0"/>
+            <a:ext cx="9129713" cy="6858000"/>
           </a:xfrm>
           <a:prstGeom prst="rect">
             <a:avLst/>
@@ -3478,7 +3478,7 @@
                                           </p:stCondLst>
                                         </p:cTn>
                                         <p:tgtEl>
-                                          <p:spTgt spid="962563"/>
+                                          <p:spTgt spid="963587"/>
                                         </p:tgtEl>
                                         <p:attrNameLst>
                                           <p:attrName>style.visibility</p:attrName>
@@ -3492,7 +3492,7 @@
                                       <p:cBhvr>
                                         <p:cTn id="7" dur="500"/>
                                         <p:tgtEl>
-                                          <p:spTgt spid="962563"/>
+                                          <p:spTgt spid="963587"/>
                                         </p:tgtEl>
                                       </p:cBhvr>
                                     </p:animEffect>
